--- a/Obhektorientierung mit Python.pptx
+++ b/Obhektorientierung mit Python.pptx
@@ -140,6 +140,11 @@
       </a:defRPr>
     </a:lvl9pPr>
   </p:defaultTextStyle>
+  <p:extLst>
+    <p:ext uri="{EFAFB233-063F-42B5-8137-9DF3F51BA10A}">
+      <p15:sldGuideLst xmlns:p15="http://schemas.microsoft.com/office/powerpoint/2012/main"/>
+    </p:ext>
+  </p:extLst>
 </p:presentation>
 </file>
 
@@ -290,7 +295,7 @@
           <a:p>
             <a:fld id="{239C03B3-968F-7745-96FE-6AE880C84233}" type="datetimeFigureOut">
               <a:rPr lang="de-DE" smtClean="0"/>
-              <a:t>28.01.24</a:t>
+              <a:t>29.01.24</a:t>
             </a:fld>
             <a:endParaRPr lang="de-DE"/>
           </a:p>
@@ -488,7 +493,7 @@
           <a:p>
             <a:fld id="{239C03B3-968F-7745-96FE-6AE880C84233}" type="datetimeFigureOut">
               <a:rPr lang="de-DE" smtClean="0"/>
-              <a:t>28.01.24</a:t>
+              <a:t>29.01.24</a:t>
             </a:fld>
             <a:endParaRPr lang="de-DE"/>
           </a:p>
@@ -696,7 +701,7 @@
           <a:p>
             <a:fld id="{239C03B3-968F-7745-96FE-6AE880C84233}" type="datetimeFigureOut">
               <a:rPr lang="de-DE" smtClean="0"/>
-              <a:t>28.01.24</a:t>
+              <a:t>29.01.24</a:t>
             </a:fld>
             <a:endParaRPr lang="de-DE"/>
           </a:p>
@@ -894,7 +899,7 @@
           <a:p>
             <a:fld id="{239C03B3-968F-7745-96FE-6AE880C84233}" type="datetimeFigureOut">
               <a:rPr lang="de-DE" smtClean="0"/>
-              <a:t>28.01.24</a:t>
+              <a:t>29.01.24</a:t>
             </a:fld>
             <a:endParaRPr lang="de-DE"/>
           </a:p>
@@ -1169,7 +1174,7 @@
           <a:p>
             <a:fld id="{239C03B3-968F-7745-96FE-6AE880C84233}" type="datetimeFigureOut">
               <a:rPr lang="de-DE" smtClean="0"/>
-              <a:t>28.01.24</a:t>
+              <a:t>29.01.24</a:t>
             </a:fld>
             <a:endParaRPr lang="de-DE"/>
           </a:p>
@@ -1434,7 +1439,7 @@
           <a:p>
             <a:fld id="{239C03B3-968F-7745-96FE-6AE880C84233}" type="datetimeFigureOut">
               <a:rPr lang="de-DE" smtClean="0"/>
-              <a:t>28.01.24</a:t>
+              <a:t>29.01.24</a:t>
             </a:fld>
             <a:endParaRPr lang="de-DE"/>
           </a:p>
@@ -1846,7 +1851,7 @@
           <a:p>
             <a:fld id="{239C03B3-968F-7745-96FE-6AE880C84233}" type="datetimeFigureOut">
               <a:rPr lang="de-DE" smtClean="0"/>
-              <a:t>28.01.24</a:t>
+              <a:t>29.01.24</a:t>
             </a:fld>
             <a:endParaRPr lang="de-DE"/>
           </a:p>
@@ -1987,7 +1992,7 @@
           <a:p>
             <a:fld id="{239C03B3-968F-7745-96FE-6AE880C84233}" type="datetimeFigureOut">
               <a:rPr lang="de-DE" smtClean="0"/>
-              <a:t>28.01.24</a:t>
+              <a:t>29.01.24</a:t>
             </a:fld>
             <a:endParaRPr lang="de-DE"/>
           </a:p>
@@ -2100,7 +2105,7 @@
           <a:p>
             <a:fld id="{239C03B3-968F-7745-96FE-6AE880C84233}" type="datetimeFigureOut">
               <a:rPr lang="de-DE" smtClean="0"/>
-              <a:t>28.01.24</a:t>
+              <a:t>29.01.24</a:t>
             </a:fld>
             <a:endParaRPr lang="de-DE"/>
           </a:p>
@@ -2411,7 +2416,7 @@
           <a:p>
             <a:fld id="{239C03B3-968F-7745-96FE-6AE880C84233}" type="datetimeFigureOut">
               <a:rPr lang="de-DE" smtClean="0"/>
-              <a:t>28.01.24</a:t>
+              <a:t>29.01.24</a:t>
             </a:fld>
             <a:endParaRPr lang="de-DE"/>
           </a:p>
@@ -2699,7 +2704,7 @@
           <a:p>
             <a:fld id="{239C03B3-968F-7745-96FE-6AE880C84233}" type="datetimeFigureOut">
               <a:rPr lang="de-DE" smtClean="0"/>
-              <a:t>28.01.24</a:t>
+              <a:t>29.01.24</a:t>
             </a:fld>
             <a:endParaRPr lang="de-DE"/>
           </a:p>
@@ -2940,7 +2945,7 @@
           <a:p>
             <a:fld id="{239C03B3-968F-7745-96FE-6AE880C84233}" type="datetimeFigureOut">
               <a:rPr lang="de-DE" smtClean="0"/>
-              <a:t>28.01.24</a:t>
+              <a:t>29.01.24</a:t>
             </a:fld>
             <a:endParaRPr lang="de-DE"/>
           </a:p>
@@ -6407,13 +6412,6 @@
             <a:r>
               <a:rPr lang="de-DE" dirty="0"/>
               <a:t>Es macht keinen Sinn, eine Instanz einer abstrakten Klasse zu erzeugen (weil diese Instanz ja unvollständig wäre)</a:t>
-            </a:r>
-          </a:p>
-          <a:p>
-            <a:pPr lvl="2"/>
-            <a:r>
-              <a:rPr lang="de-DE" dirty="0"/>
-              <a:t>In Python ist das technisch aber möglich</a:t>
             </a:r>
           </a:p>
           <a:p>
